--- a/traditional and latest agile methodology.pptx
+++ b/traditional and latest agile methodology.pptx
@@ -121,6 +121,7 @@
 <file path=ppt/revisionInfo.xml><?xml version="1.0" encoding="utf-8"?>
 <p1510:revInfo xmlns:a="http://schemas.openxmlformats.org/drawingml/2006/main" xmlns:r="http://schemas.openxmlformats.org/officeDocument/2006/relationships" xmlns:p1510="http://schemas.microsoft.com/office/powerpoint/2015/10/main">
   <p1510:revLst>
+    <p1510:client id="{484035E0-6663-42C7-BCD2-148A9FD47D0A}" v="7" dt="2025-04-28T07:29:07.935"/>
     <p1510:client id="{A654BBDD-1604-4F10-888D-1F7DAAF74363}" v="466" dt="2025-04-28T06:59:43.960"/>
   </p1510:revLst>
 </p1510:revInfo>
@@ -13500,7 +13501,7 @@
           <a:p>
             <a:fld id="{8C1E1FAD-7351-4908-963A-08EA8E4AB7A0}" type="datetimeFigureOut">
               <a:rPr lang="en-US" smtClean="0"/>
-              <a:t>4/27/2025</a:t>
+              <a:t>4/28/2025</a:t>
             </a:fld>
             <a:endParaRPr lang="en-US"/>
           </a:p>
@@ -13698,7 +13699,7 @@
           <a:p>
             <a:fld id="{8C1E1FAD-7351-4908-963A-08EA8E4AB7A0}" type="datetimeFigureOut">
               <a:rPr lang="en-US" smtClean="0"/>
-              <a:t>4/27/2025</a:t>
+              <a:t>4/28/2025</a:t>
             </a:fld>
             <a:endParaRPr lang="en-US"/>
           </a:p>
@@ -13906,7 +13907,7 @@
           <a:p>
             <a:fld id="{8C1E1FAD-7351-4908-963A-08EA8E4AB7A0}" type="datetimeFigureOut">
               <a:rPr lang="en-US" smtClean="0"/>
-              <a:t>4/27/2025</a:t>
+              <a:t>4/28/2025</a:t>
             </a:fld>
             <a:endParaRPr lang="en-US"/>
           </a:p>
@@ -14135,7 +14136,7 @@
           <a:p>
             <a:fld id="{8C1E1FAD-7351-4908-963A-08EA8E4AB7A0}" type="datetimeFigureOut">
               <a:rPr lang="en-US" smtClean="0"/>
-              <a:t>4/27/2025</a:t>
+              <a:t>4/28/2025</a:t>
             </a:fld>
             <a:endParaRPr lang="en-US"/>
           </a:p>
@@ -14412,7 +14413,7 @@
           <a:p>
             <a:fld id="{8C1E1FAD-7351-4908-963A-08EA8E4AB7A0}" type="datetimeFigureOut">
               <a:rPr lang="en-US" smtClean="0"/>
-              <a:t>4/27/2025</a:t>
+              <a:t>4/28/2025</a:t>
             </a:fld>
             <a:endParaRPr lang="en-US"/>
           </a:p>
@@ -14677,7 +14678,7 @@
           <a:p>
             <a:fld id="{8C1E1FAD-7351-4908-963A-08EA8E4AB7A0}" type="datetimeFigureOut">
               <a:rPr lang="en-US" smtClean="0"/>
-              <a:t>4/27/2025</a:t>
+              <a:t>4/28/2025</a:t>
             </a:fld>
             <a:endParaRPr lang="en-US"/>
           </a:p>
@@ -15093,7 +15094,7 @@
           <a:p>
             <a:fld id="{8C1E1FAD-7351-4908-963A-08EA8E4AB7A0}" type="datetimeFigureOut">
               <a:rPr lang="en-US" smtClean="0"/>
-              <a:t>4/27/2025</a:t>
+              <a:t>4/28/2025</a:t>
             </a:fld>
             <a:endParaRPr lang="en-US"/>
           </a:p>
@@ -15239,7 +15240,7 @@
           <a:p>
             <a:fld id="{8C1E1FAD-7351-4908-963A-08EA8E4AB7A0}" type="datetimeFigureOut">
               <a:rPr lang="en-US" smtClean="0"/>
-              <a:t>4/27/2025</a:t>
+              <a:t>4/28/2025</a:t>
             </a:fld>
             <a:endParaRPr lang="en-US"/>
           </a:p>
@@ -15352,7 +15353,7 @@
           <a:p>
             <a:fld id="{8C1E1FAD-7351-4908-963A-08EA8E4AB7A0}" type="datetimeFigureOut">
               <a:rPr lang="en-US" smtClean="0"/>
-              <a:t>4/27/2025</a:t>
+              <a:t>4/28/2025</a:t>
             </a:fld>
             <a:endParaRPr lang="en-US"/>
           </a:p>
@@ -15667,7 +15668,7 @@
           <a:p>
             <a:fld id="{8C1E1FAD-7351-4908-963A-08EA8E4AB7A0}" type="datetimeFigureOut">
               <a:rPr lang="en-US" smtClean="0"/>
-              <a:t>4/27/2025</a:t>
+              <a:t>4/28/2025</a:t>
             </a:fld>
             <a:endParaRPr lang="en-US"/>
           </a:p>
@@ -15960,7 +15961,7 @@
           <a:p>
             <a:fld id="{8C1E1FAD-7351-4908-963A-08EA8E4AB7A0}" type="datetimeFigureOut">
               <a:rPr lang="en-US" smtClean="0"/>
-              <a:t>4/27/2025</a:t>
+              <a:t>4/28/2025</a:t>
             </a:fld>
             <a:endParaRPr lang="en-US"/>
           </a:p>
@@ -16199,7 +16200,7 @@
           <a:p>
             <a:fld id="{8C1E1FAD-7351-4908-963A-08EA8E4AB7A0}" type="datetimeFigureOut">
               <a:rPr lang="en-US" smtClean="0"/>
-              <a:t>4/27/2025</a:t>
+              <a:t>4/28/2025</a:t>
             </a:fld>
             <a:endParaRPr lang="en-US"/>
           </a:p>
@@ -20080,51 +20081,6 @@
           </p:txBody>
         </p:sp>
       </p:grpSp>
-      <p:sp>
-        <p:nvSpPr>
-          <p:cNvPr id="5" name="TextBox 4">
-            <a:extLst>
-              <a:ext uri="{FF2B5EF4-FFF2-40B4-BE49-F238E27FC236}">
-                <a16:creationId xmlns:a16="http://schemas.microsoft.com/office/drawing/2014/main" id="{E119859B-5608-9E84-D3DA-9D2A3611CACD}"/>
-              </a:ext>
-            </a:extLst>
-          </p:cNvPr>
-          <p:cNvSpPr txBox="1"/>
-          <p:nvPr/>
-        </p:nvSpPr>
-        <p:spPr>
-          <a:xfrm>
-            <a:off x="7808023" y="5383548"/>
-            <a:ext cx="2198143" cy="646331"/>
-          </a:xfrm>
-          <a:prstGeom prst="rect">
-            <a:avLst/>
-          </a:prstGeom>
-          <a:noFill/>
-        </p:spPr>
-        <p:txBody>
-          <a:bodyPr rot="0" spcFirstLastPara="0" vertOverflow="overflow" horzOverflow="overflow" vert="horz" wrap="square" lIns="91440" tIns="45720" rIns="91440" bIns="45720" numCol="1" spcCol="0" rtlCol="0" fromWordArt="0" anchor="t" anchorCtr="0" forceAA="0" compatLnSpc="1">
-            <a:prstTxWarp prst="textNoShape">
-              <a:avLst/>
-            </a:prstTxWarp>
-            <a:spAutoFit/>
-          </a:bodyPr>
-          <a:lstStyle/>
-          <a:p>
-            <a:r>
-              <a:rPr lang="en-US" dirty="0"/>
-              <a:t>Presented by:</a:t>
-            </a:r>
-            <a:br>
-              <a:rPr lang="en-US" dirty="0"/>
-            </a:br>
-            <a:r>
-              <a:rPr lang="en-US" dirty="0"/>
-              <a:t>VAISHNAVI R</a:t>
-            </a:r>
-          </a:p>
-        </p:txBody>
-      </p:sp>
     </p:spTree>
     <p:extLst>
       <p:ext uri="{BB962C8B-B14F-4D97-AF65-F5344CB8AC3E}">
